--- a/G.pptx
+++ b/G.pptx
@@ -12,6 +12,7 @@
     <p:sldId id="262" r:id="rId6"/>
     <p:sldId id="259" r:id="rId7"/>
     <p:sldId id="260" r:id="rId8"/>
+    <p:sldId id="263" r:id="rId9"/>
   </p:sldIdLst>
   <p:sldSz cx="9144000" cy="6858000" type="screen4x3"/>
   <p:notesSz cx="6858000" cy="9144000"/>
@@ -3237,7 +3238,7 @@
         <p:spPr>
           <a:xfrm>
             <a:off x="683568" y="1484784"/>
-            <a:ext cx="8208912" cy="4247317"/>
+            <a:ext cx="8208912" cy="3877985"/>
           </a:xfrm>
           <a:prstGeom prst="rect">
             <a:avLst/>
@@ -3250,16 +3251,38 @@
           <a:lstStyle/>
           <a:p>
             <a:pPr>
+              <a:spcBef>
+                <a:spcPts val="600"/>
+              </a:spcBef>
+            </a:pPr>
+            <a:r>
+              <a:rPr lang="en-IN" dirty="0" smtClean="0"/>
+              <a:t> </a:t>
+            </a:r>
+            <a:endParaRPr lang="en-IN" dirty="0" smtClean="0"/>
+          </a:p>
+          <a:p>
+            <a:pPr>
+              <a:spcBef>
+                <a:spcPts val="600"/>
+              </a:spcBef>
               <a:buFont typeface="Wingdings" pitchFamily="2" charset="2"/>
               <a:buChar char="§"/>
             </a:pPr>
             <a:r>
               <a:rPr lang="en-IN" dirty="0" smtClean="0"/>
-              <a:t> NGINX is a web server </a:t>
+              <a:t>It is </a:t>
+            </a:r>
+            <a:r>
+              <a:rPr lang="en-IN" dirty="0" smtClean="0"/>
+              <a:t>a web server </a:t>
             </a:r>
           </a:p>
           <a:p>
             <a:pPr>
+              <a:spcBef>
+                <a:spcPts val="600"/>
+              </a:spcBef>
               <a:buFont typeface="Wingdings" pitchFamily="2" charset="2"/>
               <a:buChar char="§"/>
             </a:pPr>
@@ -3270,6 +3293,9 @@
           </a:p>
           <a:p>
             <a:pPr>
+              <a:spcBef>
+                <a:spcPts val="600"/>
+              </a:spcBef>
               <a:buFont typeface="Wingdings" pitchFamily="2" charset="2"/>
               <a:buChar char="§"/>
             </a:pPr>
@@ -3280,6 +3306,9 @@
           </a:p>
           <a:p>
             <a:pPr>
+              <a:spcBef>
+                <a:spcPts val="600"/>
+              </a:spcBef>
               <a:buFont typeface="Wingdings" pitchFamily="2" charset="2"/>
               <a:buChar char="§"/>
             </a:pPr>
@@ -3290,6 +3319,9 @@
           </a:p>
           <a:p>
             <a:pPr>
+              <a:spcBef>
+                <a:spcPts val="600"/>
+              </a:spcBef>
               <a:buFont typeface="Wingdings" pitchFamily="2" charset="2"/>
               <a:buChar char="§"/>
             </a:pPr>
@@ -3300,6 +3332,9 @@
           </a:p>
           <a:p>
             <a:pPr>
+              <a:spcBef>
+                <a:spcPts val="600"/>
+              </a:spcBef>
               <a:buFont typeface="Wingdings" pitchFamily="2" charset="2"/>
               <a:buChar char="§"/>
             </a:pPr>
@@ -3313,50 +3348,6 @@
           </a:p>
           <a:p>
             <a:r>
-              <a:rPr lang="en-US" b="1" dirty="0" smtClean="0"/>
-              <a:t>Used in:</a:t>
-            </a:r>
-          </a:p>
-          <a:p>
-            <a:r>
-              <a:rPr lang="en-US" dirty="0" smtClean="0"/>
-              <a:t>Netflix, </a:t>
-            </a:r>
-            <a:r>
-              <a:rPr lang="en-US" dirty="0" err="1" smtClean="0"/>
-              <a:t>Dropbox</a:t>
-            </a:r>
-            <a:r>
-              <a:rPr lang="en-US" dirty="0" smtClean="0"/>
-              <a:t>, </a:t>
-            </a:r>
-            <a:r>
-              <a:rPr lang="en-US" dirty="0" err="1" smtClean="0"/>
-              <a:t>Pinterest</a:t>
-            </a:r>
-            <a:r>
-              <a:rPr lang="en-US" dirty="0" smtClean="0"/>
-              <a:t>, </a:t>
-            </a:r>
-            <a:r>
-              <a:rPr lang="en-US" dirty="0" err="1" smtClean="0"/>
-              <a:t>Airbnb</a:t>
-            </a:r>
-            <a:r>
-              <a:rPr lang="en-US" dirty="0" smtClean="0"/>
-              <a:t>, WordPress.com, Box, </a:t>
-            </a:r>
-            <a:r>
-              <a:rPr lang="en-US" dirty="0" err="1" smtClean="0"/>
-              <a:t>Instagram</a:t>
-            </a:r>
-            <a:endParaRPr lang="en-US" dirty="0" smtClean="0"/>
-          </a:p>
-          <a:p>
-            <a:endParaRPr lang="en-US" dirty="0" smtClean="0"/>
-          </a:p>
-          <a:p>
-            <a:r>
               <a:rPr lang="en-IN" b="1" dirty="0" smtClean="0"/>
               <a:t>Designing and Deploying </a:t>
             </a:r>
@@ -3365,32 +3356,10 @@
             <a:endParaRPr lang="en-US" dirty="0" smtClean="0"/>
           </a:p>
           <a:p>
-            <a:r>
-              <a:rPr lang="en-IN" dirty="0" err="1" smtClean="0"/>
-              <a:t>Microservices</a:t>
-            </a:r>
-            <a:r>
-              <a:rPr lang="en-IN" dirty="0" smtClean="0"/>
-              <a:t> are one of the best way to deploy modern applications </a:t>
-            </a:r>
+            <a:endParaRPr lang="en-US" dirty="0" smtClean="0"/>
+          </a:p>
+          <a:p>
             <a:endParaRPr lang="en-IN" dirty="0" smtClean="0"/>
-          </a:p>
-          <a:p>
-            <a:r>
-              <a:rPr lang="en-IN" dirty="0" smtClean="0"/>
-              <a:t>that </a:t>
-            </a:r>
-            <a:r>
-              <a:rPr lang="en-IN" dirty="0" smtClean="0"/>
-              <a:t>meet today’s requirements for scale and speed of data across </a:t>
-            </a:r>
-            <a:endParaRPr lang="en-IN" dirty="0" smtClean="0"/>
-          </a:p>
-          <a:p>
-            <a:r>
-              <a:rPr lang="en-IN" dirty="0" smtClean="0"/>
-              <a:t>containerized.</a:t>
-            </a:r>
           </a:p>
         </p:txBody>
       </p:sp>
@@ -3402,7 +3371,7 @@
         </p:nvSpPr>
         <p:spPr>
           <a:xfrm>
-            <a:off x="683568" y="5877272"/>
+            <a:off x="683568" y="6237312"/>
             <a:ext cx="8208912" cy="338554"/>
           </a:xfrm>
           <a:prstGeom prst="rect">
@@ -3440,8 +3409,8 @@
         </p:blipFill>
         <p:spPr bwMode="auto">
           <a:xfrm>
-            <a:off x="7524328" y="4509120"/>
-            <a:ext cx="971748" cy="1080120"/>
+            <a:off x="7740352" y="4437112"/>
+            <a:ext cx="971748" cy="792088"/>
           </a:xfrm>
           <a:prstGeom prst="rect">
             <a:avLst/>
@@ -3455,11 +3424,191 @@
           </a:ln>
         </p:spPr>
       </p:pic>
+      <p:sp>
+        <p:nvSpPr>
+          <p:cNvPr id="6" name="Rectangle 5"/>
+          <p:cNvSpPr/>
+          <p:nvPr/>
+        </p:nvSpPr>
+        <p:spPr>
+          <a:xfrm>
+            <a:off x="755576" y="4581128"/>
+            <a:ext cx="7992888" cy="661720"/>
+          </a:xfrm>
+          <a:prstGeom prst="rect">
+            <a:avLst/>
+          </a:prstGeom>
+        </p:spPr>
+        <p:txBody>
+          <a:bodyPr wrap="square">
+            <a:spAutoFit/>
+          </a:bodyPr>
+          <a:lstStyle/>
+          <a:p>
+            <a:pPr>
+              <a:spcBef>
+                <a:spcPts val="600"/>
+              </a:spcBef>
+              <a:buFont typeface="Wingdings" pitchFamily="2" charset="2"/>
+              <a:buChar char="§"/>
+            </a:pPr>
+            <a:r>
+              <a:rPr lang="en-IN" sz="1600" dirty="0" smtClean="0"/>
+              <a:t> To </a:t>
+            </a:r>
+            <a:r>
+              <a:rPr lang="en-IN" sz="1600" dirty="0" smtClean="0"/>
+              <a:t>achieve faster time to market.</a:t>
+            </a:r>
+          </a:p>
+          <a:p>
+            <a:pPr>
+              <a:spcBef>
+                <a:spcPts val="600"/>
+              </a:spcBef>
+              <a:buFont typeface="Wingdings" pitchFamily="2" charset="2"/>
+              <a:buChar char="§"/>
+            </a:pPr>
+            <a:r>
+              <a:rPr lang="en-IN" sz="1600" dirty="0" smtClean="0"/>
+              <a:t> Moving </a:t>
+            </a:r>
+            <a:r>
+              <a:rPr lang="en-IN" sz="1600" dirty="0" smtClean="0"/>
+              <a:t>away from heavy monolithic architectures to </a:t>
+            </a:r>
+            <a:r>
+              <a:rPr lang="en-IN" sz="1600" dirty="0" err="1" smtClean="0"/>
+              <a:t>Microservices</a:t>
+            </a:r>
+            <a:r>
+              <a:rPr lang="en-IN" sz="1600" dirty="0" smtClean="0"/>
+              <a:t> </a:t>
+            </a:r>
+            <a:r>
+              <a:rPr lang="en-IN" sz="1600" dirty="0" smtClean="0"/>
+              <a:t>architectures. </a:t>
+            </a:r>
+            <a:endParaRPr lang="en-IN" sz="1600" dirty="0"/>
+          </a:p>
+        </p:txBody>
+      </p:sp>
+      <p:sp>
+        <p:nvSpPr>
+          <p:cNvPr id="7" name="TextBox 6"/>
+          <p:cNvSpPr txBox="1"/>
+          <p:nvPr/>
+        </p:nvSpPr>
+        <p:spPr>
+          <a:xfrm>
+            <a:off x="755576" y="1484784"/>
+            <a:ext cx="1872208" cy="369332"/>
+          </a:xfrm>
+          <a:prstGeom prst="rect">
+            <a:avLst/>
+          </a:prstGeom>
+          <a:noFill/>
+        </p:spPr>
+        <p:txBody>
+          <a:bodyPr wrap="square" rtlCol="0">
+            <a:spAutoFit/>
+          </a:bodyPr>
+          <a:lstStyle/>
+          <a:p>
+            <a:r>
+              <a:rPr lang="en-US" b="1" dirty="0" smtClean="0"/>
+              <a:t>What is NGINX</a:t>
+            </a:r>
+            <a:endParaRPr lang="en-IN" b="1" dirty="0"/>
+          </a:p>
+        </p:txBody>
+      </p:sp>
+      <p:sp>
+        <p:nvSpPr>
+          <p:cNvPr id="8" name="Rectangle 7"/>
+          <p:cNvSpPr/>
+          <p:nvPr/>
+        </p:nvSpPr>
+        <p:spPr>
+          <a:xfrm>
+            <a:off x="755576" y="5373216"/>
+            <a:ext cx="7992888" cy="723275"/>
+          </a:xfrm>
+          <a:prstGeom prst="rect">
+            <a:avLst/>
+          </a:prstGeom>
+        </p:spPr>
+        <p:txBody>
+          <a:bodyPr wrap="square">
+            <a:spAutoFit/>
+          </a:bodyPr>
+          <a:lstStyle/>
+          <a:p>
+            <a:pPr>
+              <a:spcBef>
+                <a:spcPts val="600"/>
+              </a:spcBef>
+            </a:pPr>
+            <a:r>
+              <a:rPr lang="en-US" b="1" dirty="0" smtClean="0"/>
+              <a:t>Adopted</a:t>
+            </a:r>
+            <a:endParaRPr lang="en-US" b="1" dirty="0" smtClean="0"/>
+          </a:p>
+          <a:p>
+            <a:pPr>
+              <a:spcBef>
+                <a:spcPts val="600"/>
+              </a:spcBef>
+            </a:pPr>
+            <a:r>
+              <a:rPr lang="en-US" dirty="0" smtClean="0"/>
+              <a:t>Netflix, </a:t>
+            </a:r>
+            <a:r>
+              <a:rPr lang="en-US" dirty="0" err="1" smtClean="0"/>
+              <a:t>Dropbox</a:t>
+            </a:r>
+            <a:r>
+              <a:rPr lang="en-US" dirty="0" smtClean="0"/>
+              <a:t>, </a:t>
+            </a:r>
+            <a:r>
+              <a:rPr lang="en-US" dirty="0" err="1" smtClean="0"/>
+              <a:t>Pinterest</a:t>
+            </a:r>
+            <a:r>
+              <a:rPr lang="en-US" dirty="0" smtClean="0"/>
+              <a:t>, </a:t>
+            </a:r>
+            <a:r>
+              <a:rPr lang="en-US" dirty="0" err="1" smtClean="0"/>
+              <a:t>Airbnb</a:t>
+            </a:r>
+            <a:r>
+              <a:rPr lang="en-US" dirty="0" smtClean="0"/>
+              <a:t>, WordPress.com, Box, </a:t>
+            </a:r>
+            <a:r>
+              <a:rPr lang="en-US" dirty="0" err="1" smtClean="0"/>
+              <a:t>Instagram</a:t>
+            </a:r>
+            <a:endParaRPr lang="en-US" dirty="0" smtClean="0"/>
+          </a:p>
+        </p:txBody>
+      </p:sp>
     </p:spTree>
   </p:cSld>
   <p:clrMapOvr>
     <a:masterClrMapping/>
   </p:clrMapOvr>
+  <p:timing>
+    <p:tnLst>
+      <p:par>
+        <p:cTn id="1" dur="indefinite" restart="never" nodeType="tmRoot"/>
+      </p:par>
+    </p:tnLst>
+  </p:timing>
 </p:sld>
 </file>
 
@@ -3757,55 +3906,6 @@
           </a:graphicData>
         </a:graphic>
       </p:graphicFrame>
-      <p:sp>
-        <p:nvSpPr>
-          <p:cNvPr id="5" name="Rectangle 4"/>
-          <p:cNvSpPr/>
-          <p:nvPr/>
-        </p:nvSpPr>
-        <p:spPr>
-          <a:xfrm>
-            <a:off x="611560" y="5805264"/>
-            <a:ext cx="7992888" cy="538609"/>
-          </a:xfrm>
-          <a:prstGeom prst="rect">
-            <a:avLst/>
-          </a:prstGeom>
-        </p:spPr>
-        <p:txBody>
-          <a:bodyPr wrap="square">
-            <a:spAutoFit/>
-          </a:bodyPr>
-          <a:lstStyle/>
-          <a:p>
-            <a:pPr>
-              <a:spcBef>
-                <a:spcPts val="600"/>
-              </a:spcBef>
-              <a:buFont typeface="Wingdings" pitchFamily="2" charset="2"/>
-              <a:buChar char="§"/>
-            </a:pPr>
-            <a:r>
-              <a:rPr lang="en-IN" sz="1200" dirty="0" smtClean="0"/>
-              <a:t>To achieve faster time to market.</a:t>
-            </a:r>
-          </a:p>
-          <a:p>
-            <a:pPr>
-              <a:spcBef>
-                <a:spcPts val="600"/>
-              </a:spcBef>
-              <a:buFont typeface="Wingdings" pitchFamily="2" charset="2"/>
-              <a:buChar char="§"/>
-            </a:pPr>
-            <a:r>
-              <a:rPr lang="en-IN" sz="1200" dirty="0" smtClean="0"/>
-              <a:t>Moving away from heavy monolithic architectures to loosely coupled architectures. </a:t>
-            </a:r>
-            <a:endParaRPr lang="en-IN" sz="1200" dirty="0"/>
-          </a:p>
-        </p:txBody>
-      </p:sp>
       <p:grpSp>
         <p:nvGrpSpPr>
           <p:cNvPr id="6" name="Group 5"/>
@@ -4995,6 +5095,13 @@
   <p:clrMapOvr>
     <a:masterClrMapping/>
   </p:clrMapOvr>
+  <p:timing>
+    <p:tnLst>
+      <p:par>
+        <p:cTn id="1" dur="indefinite" restart="never" nodeType="tmRoot"/>
+      </p:par>
+    </p:tnLst>
+  </p:timing>
 </p:sld>
 </file>
 
@@ -5677,6 +5784,13 @@
   <p:clrMapOvr>
     <a:masterClrMapping/>
   </p:clrMapOvr>
+  <p:timing>
+    <p:tnLst>
+      <p:par>
+        <p:cTn id="1" dur="indefinite" restart="never" nodeType="tmRoot"/>
+      </p:par>
+    </p:tnLst>
+  </p:timing>
 </p:sld>
 </file>
 
@@ -5911,6 +6025,13 @@
   <p:clrMapOvr>
     <a:masterClrMapping/>
   </p:clrMapOvr>
+  <p:timing>
+    <p:tnLst>
+      <p:par>
+        <p:cTn id="1" dur="indefinite" restart="never" nodeType="tmRoot"/>
+      </p:par>
+    </p:tnLst>
+  </p:timing>
 </p:sld>
 </file>
 
@@ -5973,6 +6094,130 @@
           <a:xfrm>
             <a:off x="467544" y="1772816"/>
             <a:ext cx="8208912" cy="4248472"/>
+          </a:xfrm>
+          <a:prstGeom prst="rect">
+            <a:avLst/>
+          </a:prstGeom>
+          <a:noFill/>
+          <a:ln w="9525">
+            <a:noFill/>
+            <a:miter lim="800000"/>
+            <a:headEnd/>
+            <a:tailEnd/>
+          </a:ln>
+        </p:spPr>
+      </p:pic>
+    </p:spTree>
+  </p:cSld>
+  <p:clrMapOvr>
+    <a:masterClrMapping/>
+  </p:clrMapOvr>
+  <p:timing>
+    <p:tnLst>
+      <p:par>
+        <p:cTn id="1" dur="indefinite" restart="never" nodeType="tmRoot"/>
+      </p:par>
+    </p:tnLst>
+  </p:timing>
+</p:sld>
+</file>
+
+<file path=ppt/slides/slide8.xml><?xml version="1.0" encoding="utf-8"?>
+<p:sld xmlns:a="http://schemas.openxmlformats.org/drawingml/2006/main" xmlns:r="http://schemas.openxmlformats.org/officeDocument/2006/relationships" xmlns:p="http://schemas.openxmlformats.org/presentationml/2006/main">
+  <p:cSld>
+    <p:spTree>
+      <p:nvGrpSpPr>
+        <p:cNvPr id="1" name=""/>
+        <p:cNvGrpSpPr/>
+        <p:nvPr/>
+      </p:nvGrpSpPr>
+      <p:grpSpPr>
+        <a:xfrm>
+          <a:off x="0" y="0"/>
+          <a:ext cx="0" cy="0"/>
+          <a:chOff x="0" y="0"/>
+          <a:chExt cx="0" cy="0"/>
+        </a:xfrm>
+      </p:grpSpPr>
+      <p:sp>
+        <p:nvSpPr>
+          <p:cNvPr id="1026" name="AutoShape 2" descr="Image result for thank you"/>
+          <p:cNvSpPr>
+            <a:spLocks noChangeAspect="1" noChangeArrowheads="1"/>
+          </p:cNvSpPr>
+          <p:nvPr/>
+        </p:nvSpPr>
+        <p:spPr bwMode="auto">
+          <a:xfrm>
+            <a:off x="155575" y="-1600200"/>
+            <a:ext cx="7620000" cy="3333750"/>
+          </a:xfrm>
+          <a:prstGeom prst="rect">
+            <a:avLst/>
+          </a:prstGeom>
+          <a:noFill/>
+        </p:spPr>
+        <p:txBody>
+          <a:bodyPr vert="horz" wrap="square" lIns="91440" tIns="45720" rIns="91440" bIns="45720" numCol="1" anchor="t" anchorCtr="0" compatLnSpc="1">
+            <a:prstTxWarp prst="textNoShape">
+              <a:avLst/>
+            </a:prstTxWarp>
+          </a:bodyPr>
+          <a:lstStyle/>
+          <a:p>
+            <a:endParaRPr lang="en-IN"/>
+          </a:p>
+        </p:txBody>
+      </p:sp>
+      <p:sp>
+        <p:nvSpPr>
+          <p:cNvPr id="1028" name="AutoShape 4" descr="Image result for thank you"/>
+          <p:cNvSpPr>
+            <a:spLocks noChangeAspect="1" noChangeArrowheads="1"/>
+          </p:cNvSpPr>
+          <p:nvPr/>
+        </p:nvSpPr>
+        <p:spPr bwMode="auto">
+          <a:xfrm>
+            <a:off x="155575" y="-1600200"/>
+            <a:ext cx="7620000" cy="3333750"/>
+          </a:xfrm>
+          <a:prstGeom prst="rect">
+            <a:avLst/>
+          </a:prstGeom>
+          <a:noFill/>
+        </p:spPr>
+        <p:txBody>
+          <a:bodyPr vert="horz" wrap="square" lIns="91440" tIns="45720" rIns="91440" bIns="45720" numCol="1" anchor="t" anchorCtr="0" compatLnSpc="1">
+            <a:prstTxWarp prst="textNoShape">
+              <a:avLst/>
+            </a:prstTxWarp>
+          </a:bodyPr>
+          <a:lstStyle/>
+          <a:p>
+            <a:endParaRPr lang="en-IN"/>
+          </a:p>
+        </p:txBody>
+      </p:sp>
+      <p:pic>
+        <p:nvPicPr>
+          <p:cNvPr id="1029" name="Picture 5"/>
+          <p:cNvPicPr>
+            <a:picLocks noChangeAspect="1" noChangeArrowheads="1"/>
+          </p:cNvPicPr>
+          <p:nvPr/>
+        </p:nvPicPr>
+        <p:blipFill>
+          <a:blip r:embed="rId2" cstate="print"/>
+          <a:srcRect/>
+          <a:stretch>
+            <a:fillRect/>
+          </a:stretch>
+        </p:blipFill>
+        <p:spPr bwMode="auto">
+          <a:xfrm>
+            <a:off x="2952750" y="2724150"/>
+            <a:ext cx="3238500" cy="1409700"/>
           </a:xfrm>
           <a:prstGeom prst="rect">
             <a:avLst/>
